--- a/GA2/1093/AA3-ev02 .pptx
+++ b/GA2/1093/AA3-ev02 .pptx
@@ -167,7 +167,7 @@
         <p:txBody>
           <a:bodyPr/>
           <a:p>
-            <a:fld id="{BC0E6059-4049-4169-9073-D6708530BFC5}" type="slidenum">
+            <a:fld id="{7E3C2688-16EC-4E4B-A5BF-A592144D84B4}" type="slidenum">
               <a:t>&lt;#&gt;</a:t>
             </a:fld>
           </a:p>
@@ -412,7 +412,7 @@
                 <a:tab algn="l" pos="0"/>
               </a:tabLst>
             </a:pPr>
-            <a:fld id="{A157F8F4-4CC2-4B90-9536-1C2CAF87A0B5}" type="slidenum">
+            <a:fld id="{FCBBB330-37A6-4F1A-AC06-2A81E2B7DEA1}" type="slidenum">
               <a:rPr b="0" lang="es-CO" sz="1200" strike="noStrike" u="none">
                 <a:solidFill>
                   <a:schemeClr val="dk1">
@@ -1226,7 +1226,7 @@
                 <a:tab algn="l" pos="0"/>
               </a:tabLst>
             </a:pPr>
-            <a:fld id="{C83C7B4F-A079-4518-AE72-1571F22DEE55}" type="slidenum">
+            <a:fld id="{A3F6301A-6B2B-4A45-B6EE-83D09432A620}" type="slidenum">
               <a:rPr b="0" lang="es-CO" sz="1200" strike="noStrike" u="none">
                 <a:solidFill>
                   <a:schemeClr val="dk1">
@@ -1787,7 +1787,7 @@
                 <a:tab algn="l" pos="0"/>
               </a:tabLst>
             </a:pPr>
-            <a:fld id="{84E66AE4-3DF2-4879-831F-0E1950685B3C}" type="slidenum">
+            <a:fld id="{E6CF43E0-3FC6-46B4-8E3B-55629FFE1FEA}" type="slidenum">
               <a:rPr b="0" lang="es-CO" sz="1200" strike="noStrike" u="none">
                 <a:solidFill>
                   <a:schemeClr val="dk1">
@@ -2042,7 +2042,7 @@
                 <a:tab algn="l" pos="0"/>
               </a:tabLst>
             </a:pPr>
-            <a:fld id="{E2CCACB3-D45F-4C7B-A44D-A9AF6A088517}" type="slidenum">
+            <a:fld id="{1374C4D9-8D2C-4982-86FB-B32D8FB7F96C}" type="slidenum">
               <a:rPr b="0" lang="es-CO" sz="1200" strike="noStrike" u="none">
                 <a:solidFill>
                   <a:schemeClr val="dk1">
@@ -2297,7 +2297,7 @@
                 <a:tab algn="l" pos="0"/>
               </a:tabLst>
             </a:pPr>
-            <a:fld id="{6842BE09-8EAE-4962-8221-0D598D25AB16}" type="slidenum">
+            <a:fld id="{CDE8B631-FD64-427F-A6A6-C13A355CF8F4}" type="slidenum">
               <a:rPr b="0" lang="es-CO" sz="1200" strike="noStrike" u="none">
                 <a:solidFill>
                   <a:schemeClr val="dk1">
@@ -2605,7 +2605,7 @@
                 <a:tab algn="l" pos="0"/>
               </a:tabLst>
             </a:pPr>
-            <a:fld id="{2F529EEA-C7BF-42BD-A885-94EBB947FA3F}" type="slidenum">
+            <a:fld id="{31816533-72FB-4199-B95A-EE3A19B635C0}" type="slidenum">
               <a:rPr b="0" lang="es-CO" sz="1200" strike="noStrike" u="none">
                 <a:solidFill>
                   <a:schemeClr val="dk1">
@@ -2860,7 +2860,7 @@
                 <a:tab algn="l" pos="0"/>
               </a:tabLst>
             </a:pPr>
-            <a:fld id="{75C84BD3-3CE1-4C05-A4A3-BDC8CBDBCA5A}" type="slidenum">
+            <a:fld id="{20F73A1B-AC42-4A5B-AAED-304F42E31F0F}" type="slidenum">
               <a:rPr b="0" lang="es-CO" sz="1200" strike="noStrike" u="none">
                 <a:solidFill>
                   <a:schemeClr val="dk1">
@@ -3421,7 +3421,7 @@
                 <a:tab algn="l" pos="0"/>
               </a:tabLst>
             </a:pPr>
-            <a:fld id="{2D729BFC-C1B0-4738-B673-55ED33465E6A}" type="slidenum">
+            <a:fld id="{A20366F1-389C-4C80-875B-6A302E9454FA}" type="slidenum">
               <a:rPr b="0" lang="es-CO" sz="1200" strike="noStrike" u="none">
                 <a:solidFill>
                   <a:schemeClr val="dk1">
@@ -3982,7 +3982,7 @@
                 <a:tab algn="l" pos="0"/>
               </a:tabLst>
             </a:pPr>
-            <a:fld id="{63C50AE7-45FF-4518-8033-CEC658C9FBE9}" type="slidenum">
+            <a:fld id="{B6E1FC22-FE49-4097-9422-7B77C065B3DF}" type="slidenum">
               <a:rPr b="0" lang="es-CO" sz="1200" strike="noStrike" u="none">
                 <a:solidFill>
                   <a:schemeClr val="dk1">
@@ -4543,7 +4543,7 @@
                 <a:tab algn="l" pos="0"/>
               </a:tabLst>
             </a:pPr>
-            <a:fld id="{6CDA4D67-0941-404E-8BF5-4C6A3B6C90D6}" type="slidenum">
+            <a:fld id="{1B314390-6DD2-46AF-A6D1-172C9C3D4900}" type="slidenum">
               <a:rPr b="0" lang="es-CO" sz="1200" strike="noStrike" u="none">
                 <a:solidFill>
                   <a:schemeClr val="dk1">
@@ -4995,7 +4995,7 @@
         <p:txBody>
           <a:bodyPr/>
           <a:p>
-            <a:fld id="{68E917A2-6FCD-42F7-BE02-6A9D0F67A146}" type="slidenum">
+            <a:fld id="{28E2590C-271D-4310-A488-D52528E94D26}" type="slidenum">
               <a:t>&lt;#&gt;</a:t>
             </a:fld>
           </a:p>
@@ -5187,7 +5187,7 @@
                 <a:tab algn="l" pos="0"/>
               </a:tabLst>
             </a:pPr>
-            <a:fld id="{824B199D-A012-4E35-A56A-8DFD8A96CE5A}" type="slidenum">
+            <a:fld id="{04657BCB-CB08-4C8A-AA21-AFB5EF0964C5}" type="slidenum">
               <a:rPr b="0" lang="es-CO" sz="1200" strike="noStrike" u="none">
                 <a:solidFill>
                   <a:schemeClr val="dk1">
@@ -5748,7 +5748,7 @@
                 <a:tab algn="l" pos="0"/>
               </a:tabLst>
             </a:pPr>
-            <a:fld id="{AC8808B1-08A7-47DF-A5F4-EBE652116957}" type="slidenum">
+            <a:fld id="{1DE3CEAB-89EC-436C-A219-DB1E5A94454B}" type="slidenum">
               <a:rPr b="0" lang="es-CO" sz="1200" strike="noStrike" u="none">
                 <a:solidFill>
                   <a:schemeClr val="dk1">
@@ -6309,7 +6309,7 @@
                 <a:tab algn="l" pos="0"/>
               </a:tabLst>
             </a:pPr>
-            <a:fld id="{C751E383-67F3-4B09-9F82-FCACA5BEA81F}" type="slidenum">
+            <a:fld id="{9B6507B0-9A7B-44F2-97AD-5CF22123240B}" type="slidenum">
               <a:rPr b="0" lang="es-CO" sz="1200" strike="noStrike" u="none">
                 <a:solidFill>
                   <a:schemeClr val="dk1">
@@ -6761,7 +6761,7 @@
         <p:txBody>
           <a:bodyPr/>
           <a:p>
-            <a:fld id="{1A62CDEC-D848-48A8-9D7F-D1505D645F40}" type="slidenum">
+            <a:fld id="{ECE954F9-1771-4E8E-A7DD-72B043C6C149}" type="slidenum">
               <a:t>&lt;#&gt;</a:t>
             </a:fld>
           </a:p>
@@ -6844,7 +6844,7 @@
         <p:txBody>
           <a:bodyPr/>
           <a:p>
-            <a:fld id="{0A05EBA5-885B-426F-9A1B-D6E923293940}" type="slidenum">
+            <a:fld id="{439F7B75-91D2-48B3-ABE8-3E2CD21DC352}" type="slidenum">
               <a:t>&lt;#&gt;</a:t>
             </a:fld>
           </a:p>
@@ -6927,7 +6927,7 @@
         <p:txBody>
           <a:bodyPr/>
           <a:p>
-            <a:fld id="{B84D9DFC-4AC1-4353-9B29-24521F87CD50}" type="slidenum">
+            <a:fld id="{1ACF1DD6-EAC6-4580-91C4-F4F9B54764BB}" type="slidenum">
               <a:t>&lt;#&gt;</a:t>
             </a:fld>
           </a:p>
@@ -7010,7 +7010,7 @@
         <p:txBody>
           <a:bodyPr/>
           <a:p>
-            <a:fld id="{8D26C6D0-A221-4339-B3E0-DBBEC8FDD618}" type="slidenum">
+            <a:fld id="{32E0B007-8E3A-43ED-854A-7DFE04FF433D}" type="slidenum">
               <a:t>&lt;#&gt;</a:t>
             </a:fld>
           </a:p>
@@ -7180,7 +7180,7 @@
         <p:txBody>
           <a:bodyPr/>
           <a:p>
-            <a:fld id="{F5512122-758E-482D-8F1D-CF5DE53741B6}" type="slidenum">
+            <a:fld id="{9DB6D1D8-6DDD-4667-964C-B56EC1948B62}" type="slidenum">
               <a:t>&lt;#&gt;</a:t>
             </a:fld>
           </a:p>
@@ -7263,7 +7263,7 @@
         <p:txBody>
           <a:bodyPr/>
           <a:p>
-            <a:fld id="{B7B01947-6E9D-4F26-9EB7-F9D6B22AE486}" type="slidenum">
+            <a:fld id="{2946D899-C7E6-4340-A50A-1559B571A53C}" type="slidenum">
               <a:t>&lt;#&gt;</a:t>
             </a:fld>
           </a:p>
@@ -7478,7 +7478,7 @@
         <p:txBody>
           <a:bodyPr/>
           <a:p>
-            <a:fld id="{B9E41F9A-2082-4138-ABD0-3B2DB6B02E85}" type="slidenum">
+            <a:fld id="{EDF2EC8B-0349-450A-B70B-7139B5DF6DFB}" type="slidenum">
               <a:t>&lt;#&gt;</a:t>
             </a:fld>
           </a:p>
@@ -7561,7 +7561,7 @@
         <p:txBody>
           <a:bodyPr/>
           <a:p>
-            <a:fld id="{32123C86-47C2-4E74-B3D6-8D6926FFAD08}" type="slidenum">
+            <a:fld id="{36A05928-377A-4473-85B7-48706F470415}" type="slidenum">
               <a:t>&lt;#&gt;</a:t>
             </a:fld>
           </a:p>
@@ -7686,7 +7686,7 @@
         <p:txBody>
           <a:bodyPr/>
           <a:p>
-            <a:fld id="{0656905D-7498-4447-A29A-77843B60D6CC}" type="slidenum">
+            <a:fld id="{6B534F7C-4E66-4DDA-B2BB-41BE9C5C1EB3}" type="slidenum">
               <a:t>&lt;#&gt;</a:t>
             </a:fld>
           </a:p>
@@ -7860,7 +7860,7 @@
                 <a:uFillTx/>
                 <a:latin typeface="Times New Roman"/>
               </a:rPr>
-              <a:t> </a:t>
+              <a:t>&lt;footer&gt;</a:t>
             </a:r>
             <a:endParaRPr b="0" lang="es-CO" sz="1400" strike="noStrike" u="none">
               <a:solidFill>
@@ -7931,7 +7931,7 @@
                 <a:tab algn="l" pos="0"/>
               </a:tabLst>
             </a:pPr>
-            <a:fld id="{B5BBF5A4-EFDD-41CA-BA3C-AA3844E1CB84}" type="slidenum">
+            <a:fld id="{B1CFEEB6-DBBF-481F-BAFD-F939EB8F3D57}" type="slidenum">
               <a:rPr b="0" lang="es-CO" sz="1200" strike="noStrike" u="none">
                 <a:solidFill>
                   <a:schemeClr val="dk1">
@@ -7942,7 +7942,7 @@
                 <a:uFillTx/>
                 <a:latin typeface="Calibri"/>
               </a:rPr>
-              <a:t>4</a:t>
+              <a:t>&lt;number&gt;</a:t>
             </a:fld>
             <a:endParaRPr b="0" lang="es-CO" sz="1200" strike="noStrike" u="none">
               <a:solidFill>
@@ -8008,7 +8008,7 @@
                 <a:uFillTx/>
                 <a:latin typeface="Times New Roman"/>
               </a:rPr>
-              <a:t> </a:t>
+              <a:t>&lt;date/time&gt;</a:t>
             </a:r>
             <a:endParaRPr b="0" lang="es-CO" sz="1400" strike="noStrike" u="none">
               <a:solidFill>
@@ -8228,7 +8228,7 @@
                 <a:tab algn="l" pos="0"/>
               </a:tabLst>
             </a:pPr>
-            <a:fld id="{1F8D1C97-E1C3-4DC7-AAE1-54CD18157599}" type="slidenum">
+            <a:fld id="{96029F9B-A580-422F-B647-2B228E4E1347}" type="slidenum">
               <a:rPr b="0" lang="es-CO" sz="1200" strike="noStrike" u="none">
                 <a:solidFill>
                   <a:schemeClr val="dk1">
@@ -8487,7 +8487,7 @@
                 <a:tab algn="l" pos="0"/>
               </a:tabLst>
             </a:pPr>
-            <a:fld id="{C2BC5D03-4065-4213-BC0C-8B24991EC7FA}" type="slidenum">
+            <a:fld id="{B39DDAD7-663C-48FF-A986-2075C72F7A40}" type="slidenum">
               <a:rPr b="0" lang="es-CO" sz="1200" strike="noStrike" u="none">
                 <a:solidFill>
                   <a:schemeClr val="dk1">
@@ -8498,7 +8498,7 @@
                 <a:uFillTx/>
                 <a:latin typeface="Calibri"/>
               </a:rPr>
-              <a:t>&lt;number&gt;</a:t>
+              <a:t>1</a:t>
             </a:fld>
             <a:endParaRPr b="0" lang="es-CO" sz="1200" strike="noStrike" u="none">
               <a:solidFill>
@@ -8564,7 +8564,7 @@
                 <a:uFillTx/>
                 <a:latin typeface="Times New Roman"/>
               </a:rPr>
-              <a:t>&lt;date/time&gt;</a:t>
+              <a:t> </a:t>
             </a:r>
             <a:endParaRPr b="0" lang="es-CO" sz="1400" strike="noStrike" u="none">
               <a:solidFill>
@@ -8746,7 +8746,7 @@
                 <a:tab algn="l" pos="0"/>
               </a:tabLst>
             </a:pPr>
-            <a:fld id="{64949538-F23D-4C5C-9306-CFEF8B6F4CE3}" type="slidenum">
+            <a:fld id="{FD818FBA-7E04-44AB-B07C-92EEC17C1880}" type="slidenum">
               <a:rPr b="0" lang="es-CO" sz="1200" strike="noStrike" u="none">
                 <a:solidFill>
                   <a:schemeClr val="dk1">
@@ -9005,7 +9005,7 @@
                 <a:tab algn="l" pos="0"/>
               </a:tabLst>
             </a:pPr>
-            <a:fld id="{B9121C74-BF63-4195-8957-E3FF42FAA045}" type="slidenum">
+            <a:fld id="{2C79666A-5892-4745-90E1-8F4C3FB2C365}" type="slidenum">
               <a:rPr b="0" lang="es-CO" sz="1200" strike="noStrike" u="none">
                 <a:solidFill>
                   <a:schemeClr val="dk1">
@@ -9265,7 +9265,7 @@
                 <a:tab algn="l" pos="0"/>
               </a:tabLst>
             </a:pPr>
-            <a:fld id="{8564D9D4-A882-4063-A98B-E4FA5E4CA9B1}" type="slidenum">
+            <a:fld id="{60040B3A-1353-45B3-AF0B-3FF67167B1A6}" type="slidenum">
               <a:rPr b="0" lang="es-CO" sz="1200" strike="noStrike" u="none">
                 <a:solidFill>
                   <a:schemeClr val="dk1">
@@ -9428,7 +9428,381 @@
                 <a:uFillTx/>
                 <a:latin typeface="Arial"/>
               </a:rPr>
-              <a:t>Click to edit the title text format</a:t>
+              <a:t>C</a:t>
+            </a:r>
+            <a:r>
+              <a:rPr b="0" lang="es-CO" sz="1800" strike="noStrike" u="none">
+                <a:solidFill>
+                  <a:srgbClr val="000000"/>
+                </a:solidFill>
+                <a:effectLst/>
+                <a:uFillTx/>
+                <a:latin typeface="Arial"/>
+              </a:rPr>
+              <a:t>l</a:t>
+            </a:r>
+            <a:r>
+              <a:rPr b="0" lang="es-CO" sz="1800" strike="noStrike" u="none">
+                <a:solidFill>
+                  <a:srgbClr val="000000"/>
+                </a:solidFill>
+                <a:effectLst/>
+                <a:uFillTx/>
+                <a:latin typeface="Arial"/>
+              </a:rPr>
+              <a:t>i</a:t>
+            </a:r>
+            <a:r>
+              <a:rPr b="0" lang="es-CO" sz="1800" strike="noStrike" u="none">
+                <a:solidFill>
+                  <a:srgbClr val="000000"/>
+                </a:solidFill>
+                <a:effectLst/>
+                <a:uFillTx/>
+                <a:latin typeface="Arial"/>
+              </a:rPr>
+              <a:t>c</a:t>
+            </a:r>
+            <a:r>
+              <a:rPr b="0" lang="es-CO" sz="1800" strike="noStrike" u="none">
+                <a:solidFill>
+                  <a:srgbClr val="000000"/>
+                </a:solidFill>
+                <a:effectLst/>
+                <a:uFillTx/>
+                <a:latin typeface="Arial"/>
+              </a:rPr>
+              <a:t>k</a:t>
+            </a:r>
+            <a:r>
+              <a:rPr b="0" lang="es-CO" sz="1800" strike="noStrike" u="none">
+                <a:solidFill>
+                  <a:srgbClr val="000000"/>
+                </a:solidFill>
+                <a:effectLst/>
+                <a:uFillTx/>
+                <a:latin typeface="Arial"/>
+              </a:rPr>
+              <a:t> </a:t>
+            </a:r>
+            <a:r>
+              <a:rPr b="0" lang="es-CO" sz="1800" strike="noStrike" u="none">
+                <a:solidFill>
+                  <a:srgbClr val="000000"/>
+                </a:solidFill>
+                <a:effectLst/>
+                <a:uFillTx/>
+                <a:latin typeface="Arial"/>
+              </a:rPr>
+              <a:t>t</a:t>
+            </a:r>
+            <a:r>
+              <a:rPr b="0" lang="es-CO" sz="1800" strike="noStrike" u="none">
+                <a:solidFill>
+                  <a:srgbClr val="000000"/>
+                </a:solidFill>
+                <a:effectLst/>
+                <a:uFillTx/>
+                <a:latin typeface="Arial"/>
+              </a:rPr>
+              <a:t>o</a:t>
+            </a:r>
+            <a:r>
+              <a:rPr b="0" lang="es-CO" sz="1800" strike="noStrike" u="none">
+                <a:solidFill>
+                  <a:srgbClr val="000000"/>
+                </a:solidFill>
+                <a:effectLst/>
+                <a:uFillTx/>
+                <a:latin typeface="Arial"/>
+              </a:rPr>
+              <a:t> </a:t>
+            </a:r>
+            <a:r>
+              <a:rPr b="0" lang="es-CO" sz="1800" strike="noStrike" u="none">
+                <a:solidFill>
+                  <a:srgbClr val="000000"/>
+                </a:solidFill>
+                <a:effectLst/>
+                <a:uFillTx/>
+                <a:latin typeface="Arial"/>
+              </a:rPr>
+              <a:t>e</a:t>
+            </a:r>
+            <a:r>
+              <a:rPr b="0" lang="es-CO" sz="1800" strike="noStrike" u="none">
+                <a:solidFill>
+                  <a:srgbClr val="000000"/>
+                </a:solidFill>
+                <a:effectLst/>
+                <a:uFillTx/>
+                <a:latin typeface="Arial"/>
+              </a:rPr>
+              <a:t>d</a:t>
+            </a:r>
+            <a:r>
+              <a:rPr b="0" lang="es-CO" sz="1800" strike="noStrike" u="none">
+                <a:solidFill>
+                  <a:srgbClr val="000000"/>
+                </a:solidFill>
+                <a:effectLst/>
+                <a:uFillTx/>
+                <a:latin typeface="Arial"/>
+              </a:rPr>
+              <a:t>i</a:t>
+            </a:r>
+            <a:r>
+              <a:rPr b="0" lang="es-CO" sz="1800" strike="noStrike" u="none">
+                <a:solidFill>
+                  <a:srgbClr val="000000"/>
+                </a:solidFill>
+                <a:effectLst/>
+                <a:uFillTx/>
+                <a:latin typeface="Arial"/>
+              </a:rPr>
+              <a:t>t</a:t>
+            </a:r>
+            <a:r>
+              <a:rPr b="0" lang="es-CO" sz="1800" strike="noStrike" u="none">
+                <a:solidFill>
+                  <a:srgbClr val="000000"/>
+                </a:solidFill>
+                <a:effectLst/>
+                <a:uFillTx/>
+                <a:latin typeface="Arial"/>
+              </a:rPr>
+              <a:t> </a:t>
+            </a:r>
+            <a:r>
+              <a:rPr b="0" lang="es-CO" sz="1800" strike="noStrike" u="none">
+                <a:solidFill>
+                  <a:srgbClr val="000000"/>
+                </a:solidFill>
+                <a:effectLst/>
+                <a:uFillTx/>
+                <a:latin typeface="Arial"/>
+              </a:rPr>
+              <a:t>t</a:t>
+            </a:r>
+            <a:r>
+              <a:rPr b="0" lang="es-CO" sz="1800" strike="noStrike" u="none">
+                <a:solidFill>
+                  <a:srgbClr val="000000"/>
+                </a:solidFill>
+                <a:effectLst/>
+                <a:uFillTx/>
+                <a:latin typeface="Arial"/>
+              </a:rPr>
+              <a:t>h</a:t>
+            </a:r>
+            <a:r>
+              <a:rPr b="0" lang="es-CO" sz="1800" strike="noStrike" u="none">
+                <a:solidFill>
+                  <a:srgbClr val="000000"/>
+                </a:solidFill>
+                <a:effectLst/>
+                <a:uFillTx/>
+                <a:latin typeface="Arial"/>
+              </a:rPr>
+              <a:t>e</a:t>
+            </a:r>
+            <a:r>
+              <a:rPr b="0" lang="es-CO" sz="1800" strike="noStrike" u="none">
+                <a:solidFill>
+                  <a:srgbClr val="000000"/>
+                </a:solidFill>
+                <a:effectLst/>
+                <a:uFillTx/>
+                <a:latin typeface="Arial"/>
+              </a:rPr>
+              <a:t> </a:t>
+            </a:r>
+            <a:r>
+              <a:rPr b="0" lang="es-CO" sz="1800" strike="noStrike" u="none">
+                <a:solidFill>
+                  <a:srgbClr val="000000"/>
+                </a:solidFill>
+                <a:effectLst/>
+                <a:uFillTx/>
+                <a:latin typeface="Arial"/>
+              </a:rPr>
+              <a:t>t</a:t>
+            </a:r>
+            <a:r>
+              <a:rPr b="0" lang="es-CO" sz="1800" strike="noStrike" u="none">
+                <a:solidFill>
+                  <a:srgbClr val="000000"/>
+                </a:solidFill>
+                <a:effectLst/>
+                <a:uFillTx/>
+                <a:latin typeface="Arial"/>
+              </a:rPr>
+              <a:t>i</a:t>
+            </a:r>
+            <a:r>
+              <a:rPr b="0" lang="es-CO" sz="1800" strike="noStrike" u="none">
+                <a:solidFill>
+                  <a:srgbClr val="000000"/>
+                </a:solidFill>
+                <a:effectLst/>
+                <a:uFillTx/>
+                <a:latin typeface="Arial"/>
+              </a:rPr>
+              <a:t>t</a:t>
+            </a:r>
+            <a:r>
+              <a:rPr b="0" lang="es-CO" sz="1800" strike="noStrike" u="none">
+                <a:solidFill>
+                  <a:srgbClr val="000000"/>
+                </a:solidFill>
+                <a:effectLst/>
+                <a:uFillTx/>
+                <a:latin typeface="Arial"/>
+              </a:rPr>
+              <a:t>l</a:t>
+            </a:r>
+            <a:r>
+              <a:rPr b="0" lang="es-CO" sz="1800" strike="noStrike" u="none">
+                <a:solidFill>
+                  <a:srgbClr val="000000"/>
+                </a:solidFill>
+                <a:effectLst/>
+                <a:uFillTx/>
+                <a:latin typeface="Arial"/>
+              </a:rPr>
+              <a:t>e</a:t>
+            </a:r>
+            <a:r>
+              <a:rPr b="0" lang="es-CO" sz="1800" strike="noStrike" u="none">
+                <a:solidFill>
+                  <a:srgbClr val="000000"/>
+                </a:solidFill>
+                <a:effectLst/>
+                <a:uFillTx/>
+                <a:latin typeface="Arial"/>
+              </a:rPr>
+              <a:t> </a:t>
+            </a:r>
+            <a:r>
+              <a:rPr b="0" lang="es-CO" sz="1800" strike="noStrike" u="none">
+                <a:solidFill>
+                  <a:srgbClr val="000000"/>
+                </a:solidFill>
+                <a:effectLst/>
+                <a:uFillTx/>
+                <a:latin typeface="Arial"/>
+              </a:rPr>
+              <a:t>t</a:t>
+            </a:r>
+            <a:r>
+              <a:rPr b="0" lang="es-CO" sz="1800" strike="noStrike" u="none">
+                <a:solidFill>
+                  <a:srgbClr val="000000"/>
+                </a:solidFill>
+                <a:effectLst/>
+                <a:uFillTx/>
+                <a:latin typeface="Arial"/>
+              </a:rPr>
+              <a:t>e</a:t>
+            </a:r>
+            <a:r>
+              <a:rPr b="0" lang="es-CO" sz="1800" strike="noStrike" u="none">
+                <a:solidFill>
+                  <a:srgbClr val="000000"/>
+                </a:solidFill>
+                <a:effectLst/>
+                <a:uFillTx/>
+                <a:latin typeface="Arial"/>
+              </a:rPr>
+              <a:t>x</a:t>
+            </a:r>
+            <a:r>
+              <a:rPr b="0" lang="es-CO" sz="1800" strike="noStrike" u="none">
+                <a:solidFill>
+                  <a:srgbClr val="000000"/>
+                </a:solidFill>
+                <a:effectLst/>
+                <a:uFillTx/>
+                <a:latin typeface="Arial"/>
+              </a:rPr>
+              <a:t>t</a:t>
+            </a:r>
+            <a:r>
+              <a:rPr b="0" lang="es-CO" sz="1800" strike="noStrike" u="none">
+                <a:solidFill>
+                  <a:srgbClr val="000000"/>
+                </a:solidFill>
+                <a:effectLst/>
+                <a:uFillTx/>
+                <a:latin typeface="Arial"/>
+              </a:rPr>
+              <a:t> </a:t>
+            </a:r>
+            <a:r>
+              <a:rPr b="0" lang="es-CO" sz="1800" strike="noStrike" u="none">
+                <a:solidFill>
+                  <a:srgbClr val="000000"/>
+                </a:solidFill>
+                <a:effectLst/>
+                <a:uFillTx/>
+                <a:latin typeface="Arial"/>
+              </a:rPr>
+              <a:t>f</a:t>
+            </a:r>
+            <a:r>
+              <a:rPr b="0" lang="es-CO" sz="1800" strike="noStrike" u="none">
+                <a:solidFill>
+                  <a:srgbClr val="000000"/>
+                </a:solidFill>
+                <a:effectLst/>
+                <a:uFillTx/>
+                <a:latin typeface="Arial"/>
+              </a:rPr>
+              <a:t>o</a:t>
+            </a:r>
+            <a:r>
+              <a:rPr b="0" lang="es-CO" sz="1800" strike="noStrike" u="none">
+                <a:solidFill>
+                  <a:srgbClr val="000000"/>
+                </a:solidFill>
+                <a:effectLst/>
+                <a:uFillTx/>
+                <a:latin typeface="Arial"/>
+              </a:rPr>
+              <a:t>r</a:t>
+            </a:r>
+            <a:r>
+              <a:rPr b="0" lang="es-CO" sz="1800" strike="noStrike" u="none">
+                <a:solidFill>
+                  <a:srgbClr val="000000"/>
+                </a:solidFill>
+                <a:effectLst/>
+                <a:uFillTx/>
+                <a:latin typeface="Arial"/>
+              </a:rPr>
+              <a:t>m</a:t>
+            </a:r>
+            <a:r>
+              <a:rPr b="0" lang="es-CO" sz="1800" strike="noStrike" u="none">
+                <a:solidFill>
+                  <a:srgbClr val="000000"/>
+                </a:solidFill>
+                <a:effectLst/>
+                <a:uFillTx/>
+                <a:latin typeface="Arial"/>
+              </a:rPr>
+              <a:t>a</a:t>
+            </a:r>
+            <a:r>
+              <a:rPr b="0" lang="es-CO" sz="1800" strike="noStrike" u="none">
+                <a:solidFill>
+                  <a:srgbClr val="000000"/>
+                </a:solidFill>
+                <a:effectLst/>
+                <a:uFillTx/>
+                <a:latin typeface="Arial"/>
+              </a:rPr>
+              <a:t>t</a:t>
             </a:r>
             <a:endParaRPr b="0" lang="es-CO" sz="1800" strike="noStrike" u="none">
               <a:solidFill>
@@ -9830,7 +10204,7 @@
                 <a:tab algn="l" pos="0"/>
               </a:tabLst>
             </a:pPr>
-            <a:fld id="{D33F08C9-DCEA-4B64-9B22-AE4BFC088977}" type="slidenum">
+            <a:fld id="{67BCAFEE-F0B2-4AB0-8B7C-71E953478417}" type="slidenum">
               <a:rPr b="0" lang="es-CO" sz="1200" strike="noStrike" u="none">
                 <a:solidFill>
                   <a:schemeClr val="dk1">
@@ -10089,7 +10463,7 @@
                 <a:tab algn="l" pos="0"/>
               </a:tabLst>
             </a:pPr>
-            <a:fld id="{D9FBC562-6116-49E7-963D-E5DA905BDC28}" type="slidenum">
+            <a:fld id="{A783A1F1-0061-451C-83B2-4A407EB6FE1E}" type="slidenum">
               <a:rPr b="0" lang="es-CO" sz="1200" strike="noStrike" u="none">
                 <a:solidFill>
                   <a:schemeClr val="dk1">
@@ -10907,7 +11281,7 @@
                 <a:tab algn="l" pos="0"/>
               </a:tabLst>
             </a:pPr>
-            <a:fld id="{7C0933EA-DC35-42B1-8B58-5E13FD948CED}" type="slidenum">
+            <a:fld id="{F23465AE-BADF-4D5D-B1F9-254C3BD190E5}" type="slidenum">
               <a:rPr b="0" lang="es-CO" sz="1200" strike="noStrike" u="none">
                 <a:solidFill>
                   <a:schemeClr val="dk1">
@@ -11166,7 +11540,7 @@
                 <a:tab algn="l" pos="0"/>
               </a:tabLst>
             </a:pPr>
-            <a:fld id="{80311ECA-8554-4E90-ADE8-59535B7C6A74}" type="slidenum">
+            <a:fld id="{D4C4188B-E8E0-4767-8DB2-2DFC535FC04C}" type="slidenum">
               <a:rPr b="0" lang="es-CO" sz="1200" strike="noStrike" u="none">
                 <a:solidFill>
                   <a:schemeClr val="dk1">
@@ -11478,7 +11852,7 @@
                 <a:tab algn="l" pos="0"/>
               </a:tabLst>
             </a:pPr>
-            <a:fld id="{FA78F873-3EBD-408C-9374-5A0EF485F335}" type="slidenum">
+            <a:fld id="{B0BB63CE-7CFF-4694-8878-71F84692C071}" type="slidenum">
               <a:rPr b="0" lang="es-CO" sz="1200" strike="noStrike" u="none">
                 <a:solidFill>
                   <a:schemeClr val="dk1">
@@ -12734,7 +13108,7 @@
         </p:nvSpPr>
         <p:spPr>
           <a:xfrm>
-            <a:off x="108000" y="196560"/>
+            <a:off x="108000" y="268560"/>
             <a:ext cx="11160000" cy="6715440"/>
           </a:xfrm>
           <a:prstGeom prst="rect">
@@ -12780,8 +13154,18 @@
                 <a:uFillTx/>
                 <a:latin typeface="Arial"/>
               </a:rPr>
-              <a:t>Diagrama de Casos de Uso Describe las interacciones entre usuarios y sistema </a:t>
-            </a:r>
+              <a:t>Diagrama de Casos de Uso Describe las interacciones entre usuarios y sistema (ej: registro, captura de datos). Clarifica funcionalidades clave.</a:t>
+            </a:r>
+            <a:endParaRPr b="0" lang="es-CO" sz="1200" strike="noStrike" u="none">
+              <a:solidFill>
+                <a:srgbClr val="ffffff"/>
+              </a:solidFill>
+              <a:effectLst/>
+              <a:uFillTx/>
+              <a:latin typeface="Arial"/>
+            </a:endParaRPr>
+          </a:p>
+          <a:p>
             <a:r>
               <a:rPr b="0" lang="es-CO" sz="1200" strike="noStrike" u="none">
                 <a:solidFill>
@@ -12791,7 +13175,7 @@
                 <a:uFillTx/>
                 <a:latin typeface="Arial"/>
               </a:rPr>
-              <a:t>(ej: registro, captura de datos). Clarifica funcionalidades clave.</a:t>
+              <a:t>Diagrama de Actividades Detalla flujos de procesos (ej: sincronización de datos offline). Ayuda a optimizar procesos operativos.</a:t>
             </a:r>
             <a:endParaRPr b="0" lang="es-CO" sz="1200" strike="noStrike" u="none">
               <a:solidFill>
@@ -12812,50 +13196,7 @@
                 <a:uFillTx/>
                 <a:latin typeface="Arial"/>
               </a:rPr>
-              <a:t>Diagrama de Actividades Detalla flujos de procesos (ej: sincronización de datos </a:t>
-            </a:r>
-            <a:r>
-              <a:rPr b="0" lang="es-CO" sz="1200" strike="noStrike" u="none">
-                <a:solidFill>
-                  <a:srgbClr val="ffffff"/>
-                </a:solidFill>
-                <a:effectLst/>
-                <a:uFillTx/>
-                <a:latin typeface="Arial"/>
-              </a:rPr>
-              <a:t>offline). Ayuda a optimizar procesos operativos.</a:t>
-            </a:r>
-            <a:endParaRPr b="0" lang="es-CO" sz="1200" strike="noStrike" u="none">
-              <a:solidFill>
-                <a:srgbClr val="ffffff"/>
-              </a:solidFill>
-              <a:effectLst/>
-              <a:uFillTx/>
-              <a:latin typeface="Arial"/>
-            </a:endParaRPr>
-          </a:p>
-          <a:p>
-            <a:r>
-              <a:rPr b="0" lang="es-CO" sz="1200" strike="noStrike" u="none">
-                <a:solidFill>
-                  <a:srgbClr val="ffffff"/>
-                </a:solidFill>
-                <a:effectLst/>
-                <a:uFillTx/>
-                <a:latin typeface="Arial"/>
-              </a:rPr>
-              <a:t>Historias de Usuario Ej: "Como encuestador, quiero guardar datos sin conexión </a:t>
-            </a:r>
-            <a:r>
-              <a:rPr b="0" lang="es-CO" sz="1200" strike="noStrike" u="none">
-                <a:solidFill>
-                  <a:srgbClr val="ffffff"/>
-                </a:solidFill>
-                <a:effectLst/>
-                <a:uFillTx/>
-                <a:latin typeface="Arial"/>
-              </a:rPr>
-              <a:t>para evitar pérdidas." Alinea el desarrollo con necesidades reales.</a:t>
+              <a:t>Historias de Usuario Ej: "Como encuestador, quiero guardar datos sin conexión para evitar pérdidas." Alinea el desarrollo con necesidades reales.</a:t>
             </a:r>
             <a:endParaRPr b="0" lang="es-CO" sz="1200" strike="noStrike" u="none">
               <a:solidFill>
@@ -13180,7 +13521,7 @@
         </p:nvSpPr>
         <p:spPr>
           <a:xfrm>
-            <a:off x="369000" y="297360"/>
+            <a:off x="405000" y="405360"/>
             <a:ext cx="5606640" cy="1058760"/>
           </a:xfrm>
           <a:prstGeom prst="rect">
